--- a/Courses/Software-Sciences/Module-4-Information-Systems-New/12-Implementation-of-Information-System/12.2-Implementation-of-Information-System.pptx
+++ b/Courses/Software-Sciences/Module-4-Information-Systems-New/12-Implementation-of-Information-System/12.2-Implementation-of-Information-System.pptx
@@ -300,7 +300,7 @@
           <a:p>
             <a:fld id="{4E087215-0C8F-4762-A664-737A353EC9A4}" type="datetimeFigureOut">
               <a:rPr lang="bg-BG" smtClean="0"/>
-              <a:t>20.12.24 г.</a:t>
+              <a:t>27.12.24 г.</a:t>
             </a:fld>
             <a:endParaRPr lang="bg-BG"/>
           </a:p>
@@ -496,7 +496,7 @@
           <a:p>
             <a:fld id="{72D84649-876A-46C9-8472-14CB09C070D8}" type="datetimeFigureOut">
               <a:rPr lang="en-US" smtClean="0"/>
-              <a:t>12/20/24</a:t>
+              <a:t>12/27/24</a:t>
             </a:fld>
             <a:endParaRPr lang="en-US"/>
           </a:p>
@@ -9099,11 +9099,11 @@
           <a:lstStyle/>
           <a:p>
             <a:r>
-              <a:rPr lang="bg-BG" sz="3000" dirty="0"/>
+              <a:rPr lang="bg-BG" sz="3200" dirty="0"/>
               <a:t>Осигурява </a:t>
             </a:r>
             <a:r>
-              <a:rPr lang="bg-BG" sz="3000" b="1" dirty="0">
+              <a:rPr lang="bg-BG" sz="3200" b="1" dirty="0">
                 <a:solidFill>
                   <a:schemeClr val="bg1"/>
                 </a:solidFill>
@@ -9111,19 +9111,19 @@
               <a:t>достъп</a:t>
             </a:r>
             <a:r>
-              <a:rPr lang="bg-BG" sz="3000" dirty="0"/>
+              <a:rPr lang="bg-BG" sz="3200" dirty="0"/>
               <a:t> до </a:t>
             </a:r>
             <a:r>
-              <a:rPr lang="bg-BG" sz="3000" b="1" dirty="0"/>
+              <a:rPr lang="bg-BG" sz="3200" b="1" dirty="0"/>
               <a:t>формите</a:t>
             </a:r>
             <a:r>
-              <a:rPr lang="bg-BG" sz="3000" dirty="0"/>
+              <a:rPr lang="bg-BG" sz="3200" dirty="0"/>
               <a:t> за </a:t>
             </a:r>
             <a:r>
-              <a:rPr lang="bg-BG" sz="3000" b="1" dirty="0">
+              <a:rPr lang="bg-BG" sz="3200" b="1" dirty="0">
                 <a:solidFill>
                   <a:schemeClr val="bg1"/>
                 </a:solidFill>
@@ -9131,11 +9131,11 @@
               <a:t>пациенти</a:t>
             </a:r>
             <a:r>
-              <a:rPr lang="bg-BG" sz="3000" dirty="0"/>
+              <a:rPr lang="bg-BG" sz="3200" dirty="0"/>
               <a:t> и </a:t>
             </a:r>
             <a:r>
-              <a:rPr lang="bg-BG" sz="3000" b="1" dirty="0">
+              <a:rPr lang="bg-BG" sz="3200" b="1" dirty="0">
                 <a:solidFill>
                   <a:schemeClr val="bg1"/>
                 </a:solidFill>
@@ -9145,14 +9145,14 @@
           </a:p>
           <a:p>
             <a:r>
-              <a:rPr lang="bg-BG" sz="3000" dirty="0"/>
+              <a:rPr lang="bg-BG" sz="3200" dirty="0"/>
               <a:t>Компоненти</a:t>
             </a:r>
           </a:p>
           <a:p>
             <a:pPr lvl="1"/>
             <a:r>
-              <a:rPr lang="en-US" sz="2800" b="1" dirty="0">
+              <a:rPr lang="en-US" sz="3000" b="1" dirty="0">
                 <a:solidFill>
                   <a:schemeClr val="bg1"/>
                 </a:solidFill>
@@ -9162,67 +9162,67 @@
               <a:t>Button</a:t>
             </a:r>
             <a:r>
-              <a:rPr lang="en-US" sz="2800" dirty="0"/>
+              <a:rPr lang="en-US" sz="3000" dirty="0"/>
               <a:t> - </a:t>
             </a:r>
             <a:r>
-              <a:rPr lang="bg-BG" sz="2800" b="1" dirty="0"/>
+              <a:rPr lang="bg-BG" sz="3000" b="1" dirty="0"/>
               <a:t>пациенти</a:t>
             </a:r>
             <a:r>
-              <a:rPr lang="bg-BG" sz="2800" dirty="0"/>
+              <a:rPr lang="bg-BG" sz="3000" dirty="0"/>
               <a:t>, </a:t>
             </a:r>
             <a:r>
-              <a:rPr lang="bg-BG" sz="2800" b="1" dirty="0"/>
+              <a:rPr lang="bg-BG" sz="3000" b="1" dirty="0"/>
               <a:t>прегледи</a:t>
             </a:r>
           </a:p>
           <a:p>
             <a:r>
-              <a:rPr lang="bg-BG" sz="3000" dirty="0"/>
+              <a:rPr lang="bg-BG" sz="3200" dirty="0"/>
               <a:t>Задаваме следните </a:t>
             </a:r>
             <a:r>
-              <a:rPr lang="bg-BG" sz="3000" b="1" dirty="0"/>
+              <a:rPr lang="bg-BG" sz="3200" b="1" dirty="0"/>
               <a:t>свойства</a:t>
             </a:r>
             <a:r>
+              <a:rPr lang="en-US" sz="3200" dirty="0"/>
+              <a:t> </a:t>
+            </a:r>
+            <a:r>
+              <a:rPr lang="bg-BG" sz="3200" dirty="0"/>
+              <a:t>на </a:t>
+            </a:r>
+            <a:r>
+              <a:rPr lang="bg-BG" sz="3200" b="1" dirty="0"/>
+              <a:t>формите</a:t>
+            </a:r>
+            <a:r>
+              <a:rPr lang="en-US" sz="3200" dirty="0"/>
+              <a:t>:</a:t>
+            </a:r>
+          </a:p>
+          <a:p>
+            <a:pPr lvl="1"/>
+            <a:r>
+              <a:rPr lang="en-US" sz="3000" b="1" dirty="0"/>
+              <a:t>StartPosition</a:t>
+            </a:r>
+            <a:r>
               <a:rPr lang="en-US" sz="3000" dirty="0"/>
-              <a:t> </a:t>
-            </a:r>
-            <a:r>
-              <a:rPr lang="bg-BG" sz="3000" dirty="0"/>
-              <a:t>на </a:t>
-            </a:r>
-            <a:r>
-              <a:rPr lang="bg-BG" sz="3000" b="1" dirty="0"/>
-              <a:t>формите</a:t>
-            </a:r>
-            <a:r>
-              <a:rPr lang="en-US" sz="3000" dirty="0"/>
-              <a:t>:</a:t>
-            </a:r>
-          </a:p>
-          <a:p>
-            <a:pPr lvl="1"/>
-            <a:r>
-              <a:rPr lang="en-US" sz="2800" b="1" dirty="0"/>
-              <a:t>StartPosition</a:t>
-            </a:r>
-            <a:r>
-              <a:rPr lang="en-US" sz="2800" dirty="0"/>
               <a:t> - </a:t>
             </a:r>
             <a:r>
-              <a:rPr lang="en-US" sz="2800" b="1" dirty="0">
+              <a:rPr lang="en-US" sz="3000" b="1" dirty="0">
                 <a:solidFill>
                   <a:schemeClr val="bg1"/>
                 </a:solidFill>
               </a:rPr>
               <a:t>CenterScreen</a:t>
             </a:r>
-            <a:endParaRPr lang="bg-BG" sz="2800" b="1" dirty="0">
+            <a:endParaRPr lang="bg-BG" sz="3000" b="1" dirty="0">
               <a:solidFill>
                 <a:schemeClr val="bg1"/>
               </a:solidFill>
@@ -9231,15 +9231,15 @@
           <a:p>
             <a:pPr lvl="1"/>
             <a:r>
-              <a:rPr lang="en-US" sz="2800" b="1" dirty="0"/>
+              <a:rPr lang="en-US" sz="3000" b="1" dirty="0"/>
               <a:t>FormBorderStyle</a:t>
             </a:r>
             <a:r>
-              <a:rPr lang="en-US" sz="2800" dirty="0"/>
+              <a:rPr lang="en-US" sz="3000" dirty="0"/>
               <a:t> - </a:t>
             </a:r>
             <a:r>
-              <a:rPr lang="en-US" sz="2800" b="1" dirty="0">
+              <a:rPr lang="en-US" sz="3000" b="1" dirty="0">
                 <a:solidFill>
                   <a:schemeClr val="bg1"/>
                 </a:solidFill>
@@ -9250,15 +9250,15 @@
           <a:p>
             <a:pPr lvl="1"/>
             <a:r>
-              <a:rPr lang="en-US" sz="2800" b="1" dirty="0"/>
+              <a:rPr lang="en-US" sz="3000" b="1" dirty="0"/>
               <a:t>MaximizeBox</a:t>
             </a:r>
             <a:r>
-              <a:rPr lang="en-US" sz="2800" dirty="0"/>
+              <a:rPr lang="en-US" sz="3000" dirty="0"/>
               <a:t> - </a:t>
             </a:r>
             <a:r>
-              <a:rPr lang="en-US" sz="2800" b="1" dirty="0">
+              <a:rPr lang="en-US" sz="3000" b="1" dirty="0">
                 <a:solidFill>
                   <a:schemeClr val="bg1"/>
                 </a:solidFill>
@@ -9269,15 +9269,15 @@
           <a:p>
             <a:pPr lvl="1"/>
             <a:r>
-              <a:rPr lang="en-US" sz="2800" b="1" dirty="0"/>
+              <a:rPr lang="en-US" sz="3000" b="1" dirty="0"/>
               <a:t>MinimizeBox</a:t>
             </a:r>
             <a:r>
-              <a:rPr lang="en-US" sz="2800" dirty="0"/>
+              <a:rPr lang="en-US" sz="3000" dirty="0"/>
               <a:t> - </a:t>
             </a:r>
             <a:r>
-              <a:rPr lang="en-US" sz="2800" b="1" dirty="0">
+              <a:rPr lang="en-US" sz="3000" b="1" dirty="0">
                 <a:solidFill>
                   <a:schemeClr val="bg1"/>
                 </a:solidFill>
@@ -9347,8 +9347,8 @@
         </p:blipFill>
         <p:spPr>
           <a:xfrm>
-            <a:off x="5428284" y="3659809"/>
-            <a:ext cx="6324746" cy="2768082"/>
+            <a:off x="5733572" y="3775472"/>
+            <a:ext cx="6019458" cy="2634470"/>
           </a:xfrm>
           <a:prstGeom prst="rect">
             <a:avLst/>
@@ -9827,21 +9827,95 @@
         </p:spPr>
         <p:txBody>
           <a:bodyPr>
-            <a:normAutofit/>
+            <a:normAutofit lnSpcReduction="10000"/>
           </a:bodyPr>
           <a:lstStyle/>
           <a:p>
             <a:r>
-              <a:rPr lang="bg-BG" sz="3200" dirty="0"/>
+              <a:rPr lang="bg-BG" sz="3400" dirty="0"/>
               <a:t>Добавяме </a:t>
             </a:r>
             <a:r>
-              <a:rPr lang="bg-BG" sz="3200" b="1" dirty="0"/>
+              <a:rPr lang="bg-BG" sz="3400" b="1" dirty="0"/>
               <a:t>компонент</a:t>
             </a:r>
             <a:r>
-              <a:rPr lang="bg-BG" sz="3200" dirty="0"/>
+              <a:rPr lang="bg-BG" sz="3400" dirty="0"/>
               <a:t> </a:t>
+            </a:r>
+            <a:r>
+              <a:rPr lang="en-US" sz="3400" b="1" dirty="0">
+                <a:solidFill>
+                  <a:schemeClr val="bg1"/>
+                </a:solidFill>
+              </a:rPr>
+              <a:t>ImageList</a:t>
+            </a:r>
+            <a:r>
+              <a:rPr lang="en-US" sz="3400" dirty="0"/>
+              <a:t> </a:t>
+            </a:r>
+            <a:r>
+              <a:rPr lang="bg-BG" sz="3400" dirty="0"/>
+              <a:t>с </a:t>
+            </a:r>
+            <a:r>
+              <a:rPr lang="bg-BG" sz="3400" b="1" dirty="0"/>
+              <a:t>подходящи иконки</a:t>
+            </a:r>
+          </a:p>
+          <a:p>
+            <a:endParaRPr lang="bg-BG" sz="6000" b="1" dirty="0"/>
+          </a:p>
+          <a:p>
+            <a:r>
+              <a:rPr lang="bg-BG" sz="3400" dirty="0"/>
+              <a:t>Добавяме </a:t>
+            </a:r>
+            <a:r>
+              <a:rPr lang="bg-BG" sz="3400" b="1" dirty="0"/>
+              <a:t>иконка</a:t>
+            </a:r>
+            <a:r>
+              <a:rPr lang="bg-BG" sz="3400" dirty="0"/>
+              <a:t> към </a:t>
+            </a:r>
+            <a:r>
+              <a:rPr lang="bg-BG" sz="3400" b="1" dirty="0"/>
+              <a:t>всеки бутон</a:t>
+            </a:r>
+          </a:p>
+          <a:p>
+            <a:r>
+              <a:rPr lang="bg-BG" sz="3400" dirty="0"/>
+              <a:t>Задаваме следните </a:t>
+            </a:r>
+            <a:r>
+              <a:rPr lang="bg-BG" sz="3400" b="1" dirty="0"/>
+              <a:t>свойства</a:t>
+            </a:r>
+            <a:r>
+              <a:rPr lang="bg-BG" sz="3400" dirty="0"/>
+              <a:t> на </a:t>
+            </a:r>
+            <a:r>
+              <a:rPr lang="bg-BG" sz="3400" b="1" dirty="0"/>
+              <a:t>бутоните</a:t>
+            </a:r>
+            <a:r>
+              <a:rPr lang="en-US" sz="3400" dirty="0"/>
+              <a:t>:</a:t>
+            </a:r>
+          </a:p>
+          <a:p>
+            <a:pPr lvl="1"/>
+            <a:r>
+              <a:rPr lang="en-US" sz="3200" b="1" dirty="0"/>
+              <a:t>ImageAlign</a:t>
+            </a:r>
+            <a:r>
+              <a:rPr lang="en-US" sz="3200" dirty="0"/>
+              <a:t> - </a:t>
             </a:r>
             <a:r>
               <a:rPr lang="en-US" sz="3200" b="1" dirty="0">
@@ -9849,83 +9923,9 @@
                   <a:schemeClr val="bg1"/>
                 </a:solidFill>
               </a:rPr>
-              <a:t>ImageList</a:t>
-            </a:r>
-            <a:r>
-              <a:rPr lang="en-US" sz="3200" dirty="0"/>
-              <a:t> </a:t>
-            </a:r>
-            <a:r>
-              <a:rPr lang="bg-BG" sz="3200" dirty="0"/>
-              <a:t>с </a:t>
-            </a:r>
-            <a:r>
-              <a:rPr lang="bg-BG" sz="3200" b="1" dirty="0"/>
-              <a:t>подходящи иконки</a:t>
-            </a:r>
-          </a:p>
-          <a:p>
-            <a:endParaRPr lang="bg-BG" sz="6000" b="1" dirty="0"/>
-          </a:p>
-          <a:p>
-            <a:r>
-              <a:rPr lang="bg-BG" sz="3200" dirty="0"/>
-              <a:t>Добавяме </a:t>
-            </a:r>
-            <a:r>
-              <a:rPr lang="bg-BG" sz="3200" b="1" dirty="0"/>
-              <a:t>иконка</a:t>
-            </a:r>
-            <a:r>
-              <a:rPr lang="bg-BG" sz="3200" dirty="0"/>
-              <a:t> към </a:t>
-            </a:r>
-            <a:r>
-              <a:rPr lang="bg-BG" sz="3200" b="1" dirty="0"/>
-              <a:t>всеки бутон</a:t>
-            </a:r>
-          </a:p>
-          <a:p>
-            <a:r>
-              <a:rPr lang="bg-BG" sz="3200" dirty="0"/>
-              <a:t>Задаваме следните </a:t>
-            </a:r>
-            <a:r>
-              <a:rPr lang="bg-BG" sz="3200" b="1" dirty="0"/>
-              <a:t>свойства</a:t>
-            </a:r>
-            <a:r>
-              <a:rPr lang="bg-BG" sz="3200" dirty="0"/>
-              <a:t> на </a:t>
-            </a:r>
-            <a:r>
-              <a:rPr lang="bg-BG" sz="3200" b="1" dirty="0"/>
-              <a:t>бутоните</a:t>
-            </a:r>
-            <a:r>
-              <a:rPr lang="en-US" sz="3200" dirty="0"/>
-              <a:t>:</a:t>
-            </a:r>
-          </a:p>
-          <a:p>
-            <a:pPr lvl="1"/>
-            <a:r>
-              <a:rPr lang="en-US" sz="2800" b="1" dirty="0"/>
-              <a:t>ImageAlign</a:t>
-            </a:r>
-            <a:r>
-              <a:rPr lang="en-US" sz="2800" dirty="0"/>
-              <a:t> - </a:t>
-            </a:r>
-            <a:r>
-              <a:rPr lang="en-US" sz="2800" b="1" dirty="0">
-                <a:solidFill>
-                  <a:schemeClr val="bg1"/>
-                </a:solidFill>
-              </a:rPr>
               <a:t>MiddleLeft</a:t>
             </a:r>
-            <a:endParaRPr lang="bg-BG" sz="2800" b="1" dirty="0">
+            <a:endParaRPr lang="bg-BG" sz="3200" b="1" dirty="0">
               <a:solidFill>
                 <a:schemeClr val="bg1"/>
               </a:solidFill>
@@ -9934,15 +9934,15 @@
           <a:p>
             <a:pPr lvl="1"/>
             <a:r>
-              <a:rPr lang="en-US" sz="2800" b="1" dirty="0"/>
+              <a:rPr lang="en-US" sz="3200" b="1" dirty="0"/>
               <a:t>Padding</a:t>
             </a:r>
             <a:r>
-              <a:rPr lang="en-US" sz="2800" dirty="0"/>
+              <a:rPr lang="en-US" sz="3200" dirty="0"/>
               <a:t> - </a:t>
             </a:r>
             <a:r>
-              <a:rPr lang="en-US" sz="2800" b="1" dirty="0">
+              <a:rPr lang="en-US" sz="3200" b="1" dirty="0">
                 <a:solidFill>
                   <a:schemeClr val="bg1"/>
                 </a:solidFill>
@@ -9953,15 +9953,15 @@
           <a:p>
             <a:pPr lvl="1"/>
             <a:r>
-              <a:rPr lang="en-US" sz="2800" b="1" dirty="0"/>
+              <a:rPr lang="en-US" sz="3200" b="1" dirty="0"/>
               <a:t>TextAlign</a:t>
             </a:r>
             <a:r>
-              <a:rPr lang="en-US" sz="2800" dirty="0"/>
+              <a:rPr lang="en-US" sz="3200" dirty="0"/>
               <a:t> - </a:t>
             </a:r>
             <a:r>
-              <a:rPr lang="en-US" sz="2800" b="1" dirty="0">
+              <a:rPr lang="en-US" sz="3200" b="1" dirty="0">
                 <a:solidFill>
                   <a:schemeClr val="bg1"/>
                 </a:solidFill>
@@ -9972,15 +9972,15 @@
           <a:p>
             <a:pPr lvl="1"/>
             <a:r>
-              <a:rPr lang="en-US" sz="2800" b="1" dirty="0"/>
+              <a:rPr lang="en-US" sz="3200" b="1" dirty="0"/>
               <a:t>Cursor</a:t>
             </a:r>
             <a:r>
-              <a:rPr lang="en-US" sz="2800" dirty="0"/>
+              <a:rPr lang="en-US" sz="3200" dirty="0"/>
               <a:t> - </a:t>
             </a:r>
             <a:r>
-              <a:rPr lang="en-US" sz="2800" b="1" dirty="0">
+              <a:rPr lang="en-US" sz="3200" b="1" dirty="0">
                 <a:solidFill>
                   <a:schemeClr val="bg1"/>
                 </a:solidFill>
@@ -14571,19 +14571,19 @@
           <a:lstStyle/>
           <a:p>
             <a:r>
-              <a:rPr lang="bg-BG" sz="3200" dirty="0"/>
+              <a:rPr lang="bg-BG" sz="3400" dirty="0"/>
               <a:t>Изтегляме </a:t>
             </a:r>
             <a:r>
-              <a:rPr lang="bg-BG" sz="3200" b="1" dirty="0"/>
+              <a:rPr lang="bg-BG" sz="3400" b="1" dirty="0"/>
               <a:t>подходящи</a:t>
             </a:r>
             <a:r>
-              <a:rPr lang="bg-BG" sz="3200" dirty="0"/>
+              <a:rPr lang="bg-BG" sz="3400" dirty="0"/>
               <a:t> </a:t>
             </a:r>
             <a:r>
-              <a:rPr lang="bg-BG" sz="3200" b="1" dirty="0">
+              <a:rPr lang="bg-BG" sz="3400" b="1" dirty="0">
                 <a:solidFill>
                   <a:schemeClr val="bg1"/>
                 </a:solidFill>
@@ -14591,28 +14591,28 @@
               <a:t>иконки</a:t>
             </a:r>
             <a:r>
-              <a:rPr lang="bg-BG" sz="3200" dirty="0"/>
+              <a:rPr lang="bg-BG" sz="3400" dirty="0"/>
               <a:t> </a:t>
             </a:r>
             <a:r>
-              <a:rPr lang="en-US" sz="3200" dirty="0"/>
+              <a:rPr lang="en-US" sz="3400" dirty="0"/>
               <a:t>(</a:t>
             </a:r>
             <a:r>
-              <a:rPr lang="bg-BG" sz="3200" dirty="0"/>
+              <a:rPr lang="bg-BG" sz="3400" dirty="0"/>
               <a:t>напр. от </a:t>
             </a:r>
             <a:r>
-              <a:rPr lang="en-GB" sz="3200" dirty="0">
+              <a:rPr lang="en-GB" sz="3400" dirty="0">
                 <a:hlinkClick r:id="rId2"/>
               </a:rPr>
               <a:t>https://uxwing.com/</a:t>
             </a:r>
             <a:r>
-              <a:rPr lang="en-US" sz="3200" dirty="0"/>
+              <a:rPr lang="en-US" sz="3400" dirty="0"/>
               <a:t>)</a:t>
             </a:r>
-            <a:endParaRPr lang="bg-BG" sz="3200" dirty="0"/>
+            <a:endParaRPr lang="bg-BG" sz="3400" dirty="0"/>
           </a:p>
           <a:p>
             <a:pPr marL="0" indent="0">
@@ -14622,19 +14622,19 @@
           </a:p>
           <a:p>
             <a:r>
-              <a:rPr lang="bg-BG" sz="3200" dirty="0"/>
+              <a:rPr lang="bg-BG" sz="3400" dirty="0"/>
               <a:t>Добавяме </a:t>
             </a:r>
             <a:r>
-              <a:rPr lang="bg-BG" sz="3200" b="1" dirty="0"/>
+              <a:rPr lang="bg-BG" sz="3400" b="1" dirty="0"/>
               <a:t>компонент</a:t>
             </a:r>
             <a:r>
-              <a:rPr lang="en-US" sz="3200" dirty="0"/>
+              <a:rPr lang="en-US" sz="3400" dirty="0"/>
               <a:t> </a:t>
             </a:r>
             <a:r>
-              <a:rPr lang="en-US" sz="3200" b="1" dirty="0">
+              <a:rPr lang="en-US" sz="3400" b="1" dirty="0">
                 <a:solidFill>
                   <a:schemeClr val="bg1"/>
                 </a:solidFill>
@@ -14645,33 +14645,33 @@
           <a:p>
             <a:pPr lvl="1"/>
             <a:r>
-              <a:rPr lang="bg-BG" sz="2800" dirty="0"/>
+              <a:rPr lang="bg-BG" sz="3200" dirty="0"/>
               <a:t>Задаваме </a:t>
             </a:r>
             <a:r>
-              <a:rPr lang="bg-BG" sz="2800" b="1" dirty="0"/>
+              <a:rPr lang="bg-BG" sz="3200" b="1" dirty="0"/>
               <a:t>подходящо име</a:t>
             </a:r>
           </a:p>
           <a:p>
             <a:pPr lvl="1"/>
             <a:r>
-              <a:rPr lang="bg-BG" sz="2800" dirty="0"/>
+              <a:rPr lang="bg-BG" sz="3200" dirty="0"/>
               <a:t>Редактираме </a:t>
             </a:r>
             <a:r>
-              <a:rPr lang="bg-BG" sz="2800" b="1" dirty="0"/>
+              <a:rPr lang="bg-BG" sz="3200" b="1" dirty="0"/>
               <a:t>размера</a:t>
             </a:r>
             <a:r>
-              <a:rPr lang="bg-BG" sz="2800" dirty="0"/>
+              <a:rPr lang="bg-BG" sz="3200" dirty="0"/>
               <a:t> на </a:t>
             </a:r>
             <a:r>
-              <a:rPr lang="bg-BG" sz="2800" b="1" dirty="0"/>
+              <a:rPr lang="bg-BG" sz="3200" b="1" dirty="0"/>
               <a:t>иконките</a:t>
             </a:r>
-            <a:endParaRPr lang="en-US" dirty="0"/>
+            <a:endParaRPr lang="en-US" sz="3200" dirty="0"/>
           </a:p>
         </p:txBody>
       </p:sp>
@@ -14743,7 +14743,7 @@
         </p:blipFill>
         <p:spPr>
           <a:xfrm>
-            <a:off x="7221000" y="2516969"/>
+            <a:off x="7579131" y="2516969"/>
             <a:ext cx="4357605" cy="3526218"/>
           </a:xfrm>
           <a:prstGeom prst="rect">
@@ -14785,7 +14785,7 @@
         </p:blipFill>
         <p:spPr>
           <a:xfrm>
-            <a:off x="7223537" y="2516969"/>
+            <a:off x="7579132" y="2516969"/>
             <a:ext cx="4357605" cy="3526218"/>
           </a:xfrm>
           <a:prstGeom prst="rect">
@@ -15366,21 +15366,20 @@
           <a:bodyPr/>
           <a:lstStyle/>
           <a:p>
-            <a:pPr lvl="1"/>
-            <a:r>
-              <a:rPr lang="bg-BG" sz="3200" dirty="0"/>
+            <a:r>
+              <a:rPr lang="bg-BG" sz="3400" dirty="0"/>
               <a:t>Добавяме иконките в </a:t>
             </a:r>
             <a:r>
-              <a:rPr lang="bg-BG" sz="3200" b="1" dirty="0"/>
+              <a:rPr lang="bg-BG" sz="3400" b="1" dirty="0"/>
               <a:t>колекцията</a:t>
             </a:r>
             <a:r>
-              <a:rPr lang="bg-BG" sz="3200" dirty="0"/>
+              <a:rPr lang="bg-BG" sz="3400" dirty="0"/>
               <a:t> на </a:t>
             </a:r>
             <a:r>
-              <a:rPr lang="bg-BG" sz="3200" b="1" dirty="0"/>
+              <a:rPr lang="bg-BG" sz="3400" b="1" dirty="0"/>
               <a:t>компонента</a:t>
             </a:r>
           </a:p>
@@ -17496,11 +17495,11 @@
   <p:clrMapOvr>
     <a:masterClrMapping/>
   </p:clrMapOvr>
-  <mc:AlternateContent xmlns:mc="http://schemas.openxmlformats.org/markup-compatibility/2006">
-    <mc:Choice xmlns:p14="http://schemas.microsoft.com/office/powerpoint/2010/main" Requires="p14">
+  <mc:AlternateContent xmlns:mc="http://schemas.openxmlformats.org/markup-compatibility/2006" xmlns:p14="http://schemas.microsoft.com/office/powerpoint/2010/main">
+    <mc:Choice Requires="p14">
       <p:transition spd="slow" p14:dur="2000" advClick="0" advTm="5000"/>
     </mc:Choice>
-    <mc:Fallback>
+    <mc:Fallback xmlns="">
       <p:transition spd="slow" advClick="0" advTm="5000"/>
     </mc:Fallback>
   </mc:AlternateContent>
